--- a/ppt 16-9/0387.虚空的人生.pptx
+++ b/ppt 16-9/0387.虚空的人生.pptx
@@ -129,7 +129,7 @@
           <p:cNvPr id="2" name="标题 1">
             <a:extLst>
               <a:ext uri="{FF2B5EF4-FFF2-40B4-BE49-F238E27FC236}">
-                <a16:creationId xmlns:a16="http://schemas.microsoft.com/office/drawing/2014/main" id="{5ECE9113-378D-DF07-857B-BC9FDD5EC0AE}"/>
+                <a16:creationId xmlns:a16="http://schemas.microsoft.com/office/drawing/2014/main" id="{D27073D0-5795-10DE-A026-2CEF500B0084}"/>
               </a:ext>
             </a:extLst>
           </p:cNvPr>
@@ -166,7 +166,7 @@
           <p:cNvPr id="3" name="副标题 2">
             <a:extLst>
               <a:ext uri="{FF2B5EF4-FFF2-40B4-BE49-F238E27FC236}">
-                <a16:creationId xmlns:a16="http://schemas.microsoft.com/office/drawing/2014/main" id="{123FB4CE-D5C4-A866-4BC0-FE3C9F02FA4F}"/>
+                <a16:creationId xmlns:a16="http://schemas.microsoft.com/office/drawing/2014/main" id="{1F17AB4E-4507-A01B-0E23-274C1C31B897}"/>
               </a:ext>
             </a:extLst>
           </p:cNvPr>
@@ -236,7 +236,7 @@
           <p:cNvPr id="4" name="日期占位符 3">
             <a:extLst>
               <a:ext uri="{FF2B5EF4-FFF2-40B4-BE49-F238E27FC236}">
-                <a16:creationId xmlns:a16="http://schemas.microsoft.com/office/drawing/2014/main" id="{5F7A1B09-6242-5DF7-6A36-1942B6F3A226}"/>
+                <a16:creationId xmlns:a16="http://schemas.microsoft.com/office/drawing/2014/main" id="{6C01EF81-B371-2703-3044-528B3458E514}"/>
               </a:ext>
             </a:extLst>
           </p:cNvPr>
@@ -252,7 +252,7 @@
           <a:bodyPr/>
           <a:lstStyle/>
           <a:p>
-            <a:fld id="{83895675-D3E0-40E6-B811-B9A6199C2EDE}" type="datetimeFigureOut">
+            <a:fld id="{94AA25FF-9E53-4CD0-834A-1F857DBF9A2B}" type="datetimeFigureOut">
               <a:rPr lang="zh-CN" altLang="en-US" smtClean="0"/>
               <a:t>2024/3/10</a:t>
             </a:fld>
@@ -265,7 +265,7 @@
           <p:cNvPr id="5" name="页脚占位符 4">
             <a:extLst>
               <a:ext uri="{FF2B5EF4-FFF2-40B4-BE49-F238E27FC236}">
-                <a16:creationId xmlns:a16="http://schemas.microsoft.com/office/drawing/2014/main" id="{F9FA1362-85BF-78BD-4B99-AC1A245B9EF9}"/>
+                <a16:creationId xmlns:a16="http://schemas.microsoft.com/office/drawing/2014/main" id="{24E915B9-4AF0-5017-A512-4305E40D88FA}"/>
               </a:ext>
             </a:extLst>
           </p:cNvPr>
@@ -290,7 +290,7 @@
           <p:cNvPr id="6" name="灯片编号占位符 5">
             <a:extLst>
               <a:ext uri="{FF2B5EF4-FFF2-40B4-BE49-F238E27FC236}">
-                <a16:creationId xmlns:a16="http://schemas.microsoft.com/office/drawing/2014/main" id="{7D70B537-65B9-0D82-E3D0-B33416FCB170}"/>
+                <a16:creationId xmlns:a16="http://schemas.microsoft.com/office/drawing/2014/main" id="{13A3FD1A-077F-E00B-8506-2D77533075BC}"/>
               </a:ext>
             </a:extLst>
           </p:cNvPr>
@@ -306,7 +306,7 @@
           <a:bodyPr/>
           <a:lstStyle/>
           <a:p>
-            <a:fld id="{DA439185-BBBC-4B3C-A118-C62203517229}" type="slidenum">
+            <a:fld id="{0BE9D80A-DE9A-476D-9E50-F32D0291D921}" type="slidenum">
               <a:rPr lang="zh-CN" altLang="en-US" smtClean="0"/>
               <a:t>‹#›</a:t>
             </a:fld>
@@ -317,7 +317,7 @@
     </p:spTree>
     <p:extLst>
       <p:ext uri="{BB962C8B-B14F-4D97-AF65-F5344CB8AC3E}">
-        <p14:creationId xmlns:p14="http://schemas.microsoft.com/office/powerpoint/2010/main" val="2046989244"/>
+        <p14:creationId xmlns:p14="http://schemas.microsoft.com/office/powerpoint/2010/main" val="1716334114"/>
       </p:ext>
     </p:extLst>
   </p:cSld>
@@ -349,7 +349,7 @@
           <p:cNvPr id="2" name="标题 1">
             <a:extLst>
               <a:ext uri="{FF2B5EF4-FFF2-40B4-BE49-F238E27FC236}">
-                <a16:creationId xmlns:a16="http://schemas.microsoft.com/office/drawing/2014/main" id="{B928349A-0D6E-CFCC-66AC-CB4D50F802D8}"/>
+                <a16:creationId xmlns:a16="http://schemas.microsoft.com/office/drawing/2014/main" id="{B5977211-9370-88C9-8E2E-EBC038CAFB11}"/>
               </a:ext>
             </a:extLst>
           </p:cNvPr>
@@ -377,7 +377,7 @@
           <p:cNvPr id="3" name="竖排文字占位符 2">
             <a:extLst>
               <a:ext uri="{FF2B5EF4-FFF2-40B4-BE49-F238E27FC236}">
-                <a16:creationId xmlns:a16="http://schemas.microsoft.com/office/drawing/2014/main" id="{16BBEE68-EAEA-4D8D-7597-3357A0BC6576}"/>
+                <a16:creationId xmlns:a16="http://schemas.microsoft.com/office/drawing/2014/main" id="{C553C797-B8F6-04E9-4369-B5BBD4D07A32}"/>
               </a:ext>
             </a:extLst>
           </p:cNvPr>
@@ -434,7 +434,7 @@
           <p:cNvPr id="4" name="日期占位符 3">
             <a:extLst>
               <a:ext uri="{FF2B5EF4-FFF2-40B4-BE49-F238E27FC236}">
-                <a16:creationId xmlns:a16="http://schemas.microsoft.com/office/drawing/2014/main" id="{CAE4AC58-38AE-ED2B-65A6-5478EBD24ED6}"/>
+                <a16:creationId xmlns:a16="http://schemas.microsoft.com/office/drawing/2014/main" id="{23CDA474-AB8C-AF24-EFB2-761F9FED3ACA}"/>
               </a:ext>
             </a:extLst>
           </p:cNvPr>
@@ -450,7 +450,7 @@
           <a:bodyPr/>
           <a:lstStyle/>
           <a:p>
-            <a:fld id="{83895675-D3E0-40E6-B811-B9A6199C2EDE}" type="datetimeFigureOut">
+            <a:fld id="{94AA25FF-9E53-4CD0-834A-1F857DBF9A2B}" type="datetimeFigureOut">
               <a:rPr lang="zh-CN" altLang="en-US" smtClean="0"/>
               <a:t>2024/3/10</a:t>
             </a:fld>
@@ -463,7 +463,7 @@
           <p:cNvPr id="5" name="页脚占位符 4">
             <a:extLst>
               <a:ext uri="{FF2B5EF4-FFF2-40B4-BE49-F238E27FC236}">
-                <a16:creationId xmlns:a16="http://schemas.microsoft.com/office/drawing/2014/main" id="{B9FB837B-0926-12B4-79F6-DE80F6B14E0C}"/>
+                <a16:creationId xmlns:a16="http://schemas.microsoft.com/office/drawing/2014/main" id="{482E1B5A-EF19-363F-636E-4EED2D49FDDE}"/>
               </a:ext>
             </a:extLst>
           </p:cNvPr>
@@ -488,7 +488,7 @@
           <p:cNvPr id="6" name="灯片编号占位符 5">
             <a:extLst>
               <a:ext uri="{FF2B5EF4-FFF2-40B4-BE49-F238E27FC236}">
-                <a16:creationId xmlns:a16="http://schemas.microsoft.com/office/drawing/2014/main" id="{585E31D0-8603-1C01-2B05-6F0D1F2FF905}"/>
+                <a16:creationId xmlns:a16="http://schemas.microsoft.com/office/drawing/2014/main" id="{1779B396-CDB5-5AF4-DA7B-3C908ACAF5BC}"/>
               </a:ext>
             </a:extLst>
           </p:cNvPr>
@@ -504,7 +504,7 @@
           <a:bodyPr/>
           <a:lstStyle/>
           <a:p>
-            <a:fld id="{DA439185-BBBC-4B3C-A118-C62203517229}" type="slidenum">
+            <a:fld id="{0BE9D80A-DE9A-476D-9E50-F32D0291D921}" type="slidenum">
               <a:rPr lang="zh-CN" altLang="en-US" smtClean="0"/>
               <a:t>‹#›</a:t>
             </a:fld>
@@ -515,7 +515,7 @@
     </p:spTree>
     <p:extLst>
       <p:ext uri="{BB962C8B-B14F-4D97-AF65-F5344CB8AC3E}">
-        <p14:creationId xmlns:p14="http://schemas.microsoft.com/office/powerpoint/2010/main" val="2527807412"/>
+        <p14:creationId xmlns:p14="http://schemas.microsoft.com/office/powerpoint/2010/main" val="221336311"/>
       </p:ext>
     </p:extLst>
   </p:cSld>
@@ -547,7 +547,7 @@
           <p:cNvPr id="2" name="竖排标题 1">
             <a:extLst>
               <a:ext uri="{FF2B5EF4-FFF2-40B4-BE49-F238E27FC236}">
-                <a16:creationId xmlns:a16="http://schemas.microsoft.com/office/drawing/2014/main" id="{32470E3F-B009-8AEA-4F47-8086B3E63D7B}"/>
+                <a16:creationId xmlns:a16="http://schemas.microsoft.com/office/drawing/2014/main" id="{E9995CE0-8E0C-6391-B7B5-AC4C3BB696ED}"/>
               </a:ext>
             </a:extLst>
           </p:cNvPr>
@@ -580,7 +580,7 @@
           <p:cNvPr id="3" name="竖排文字占位符 2">
             <a:extLst>
               <a:ext uri="{FF2B5EF4-FFF2-40B4-BE49-F238E27FC236}">
-                <a16:creationId xmlns:a16="http://schemas.microsoft.com/office/drawing/2014/main" id="{93596BD5-FD0D-0D1A-B025-196A7099351E}"/>
+                <a16:creationId xmlns:a16="http://schemas.microsoft.com/office/drawing/2014/main" id="{1565C676-97DB-D9A4-2B75-856D3DBD62E7}"/>
               </a:ext>
             </a:extLst>
           </p:cNvPr>
@@ -642,7 +642,7 @@
           <p:cNvPr id="4" name="日期占位符 3">
             <a:extLst>
               <a:ext uri="{FF2B5EF4-FFF2-40B4-BE49-F238E27FC236}">
-                <a16:creationId xmlns:a16="http://schemas.microsoft.com/office/drawing/2014/main" id="{256BC3AB-4122-74F9-6ECA-6ED37C56BAB3}"/>
+                <a16:creationId xmlns:a16="http://schemas.microsoft.com/office/drawing/2014/main" id="{E30C9703-0192-1F80-503B-65BECA8F6676}"/>
               </a:ext>
             </a:extLst>
           </p:cNvPr>
@@ -658,7 +658,7 @@
           <a:bodyPr/>
           <a:lstStyle/>
           <a:p>
-            <a:fld id="{83895675-D3E0-40E6-B811-B9A6199C2EDE}" type="datetimeFigureOut">
+            <a:fld id="{94AA25FF-9E53-4CD0-834A-1F857DBF9A2B}" type="datetimeFigureOut">
               <a:rPr lang="zh-CN" altLang="en-US" smtClean="0"/>
               <a:t>2024/3/10</a:t>
             </a:fld>
@@ -671,7 +671,7 @@
           <p:cNvPr id="5" name="页脚占位符 4">
             <a:extLst>
               <a:ext uri="{FF2B5EF4-FFF2-40B4-BE49-F238E27FC236}">
-                <a16:creationId xmlns:a16="http://schemas.microsoft.com/office/drawing/2014/main" id="{50DC725D-FD69-D8C1-C509-332BD6BA99F6}"/>
+                <a16:creationId xmlns:a16="http://schemas.microsoft.com/office/drawing/2014/main" id="{88C64294-73DC-229D-A753-B3A74CC318CF}"/>
               </a:ext>
             </a:extLst>
           </p:cNvPr>
@@ -696,7 +696,7 @@
           <p:cNvPr id="6" name="灯片编号占位符 5">
             <a:extLst>
               <a:ext uri="{FF2B5EF4-FFF2-40B4-BE49-F238E27FC236}">
-                <a16:creationId xmlns:a16="http://schemas.microsoft.com/office/drawing/2014/main" id="{2A6876E5-4BEA-B839-D392-2941BE16F796}"/>
+                <a16:creationId xmlns:a16="http://schemas.microsoft.com/office/drawing/2014/main" id="{A740869A-763B-4E58-E51F-C9677936C6A3}"/>
               </a:ext>
             </a:extLst>
           </p:cNvPr>
@@ -712,7 +712,7 @@
           <a:bodyPr/>
           <a:lstStyle/>
           <a:p>
-            <a:fld id="{DA439185-BBBC-4B3C-A118-C62203517229}" type="slidenum">
+            <a:fld id="{0BE9D80A-DE9A-476D-9E50-F32D0291D921}" type="slidenum">
               <a:rPr lang="zh-CN" altLang="en-US" smtClean="0"/>
               <a:t>‹#›</a:t>
             </a:fld>
@@ -723,7 +723,7 @@
     </p:spTree>
     <p:extLst>
       <p:ext uri="{BB962C8B-B14F-4D97-AF65-F5344CB8AC3E}">
-        <p14:creationId xmlns:p14="http://schemas.microsoft.com/office/powerpoint/2010/main" val="1907921020"/>
+        <p14:creationId xmlns:p14="http://schemas.microsoft.com/office/powerpoint/2010/main" val="2182591559"/>
       </p:ext>
     </p:extLst>
   </p:cSld>
@@ -755,7 +755,7 @@
           <p:cNvPr id="2" name="标题 1">
             <a:extLst>
               <a:ext uri="{FF2B5EF4-FFF2-40B4-BE49-F238E27FC236}">
-                <a16:creationId xmlns:a16="http://schemas.microsoft.com/office/drawing/2014/main" id="{93D3CA72-DE76-B56D-9085-03840A541D5E}"/>
+                <a16:creationId xmlns:a16="http://schemas.microsoft.com/office/drawing/2014/main" id="{6A8F9364-FC07-C941-939E-124D43B923FD}"/>
               </a:ext>
             </a:extLst>
           </p:cNvPr>
@@ -783,7 +783,7 @@
           <p:cNvPr id="3" name="内容占位符 2">
             <a:extLst>
               <a:ext uri="{FF2B5EF4-FFF2-40B4-BE49-F238E27FC236}">
-                <a16:creationId xmlns:a16="http://schemas.microsoft.com/office/drawing/2014/main" id="{E6AD0ADD-D36E-32F6-EEC0-4969DC711925}"/>
+                <a16:creationId xmlns:a16="http://schemas.microsoft.com/office/drawing/2014/main" id="{305E96B6-BDBD-5B92-345D-2D3F014599C9}"/>
               </a:ext>
             </a:extLst>
           </p:cNvPr>
@@ -840,7 +840,7 @@
           <p:cNvPr id="4" name="日期占位符 3">
             <a:extLst>
               <a:ext uri="{FF2B5EF4-FFF2-40B4-BE49-F238E27FC236}">
-                <a16:creationId xmlns:a16="http://schemas.microsoft.com/office/drawing/2014/main" id="{D2B250B3-B52A-AC10-69F0-D7B9DF952F77}"/>
+                <a16:creationId xmlns:a16="http://schemas.microsoft.com/office/drawing/2014/main" id="{3DBA9BE4-D52B-465D-A69C-8219D396620C}"/>
               </a:ext>
             </a:extLst>
           </p:cNvPr>
@@ -856,7 +856,7 @@
           <a:bodyPr/>
           <a:lstStyle/>
           <a:p>
-            <a:fld id="{83895675-D3E0-40E6-B811-B9A6199C2EDE}" type="datetimeFigureOut">
+            <a:fld id="{94AA25FF-9E53-4CD0-834A-1F857DBF9A2B}" type="datetimeFigureOut">
               <a:rPr lang="zh-CN" altLang="en-US" smtClean="0"/>
               <a:t>2024/3/10</a:t>
             </a:fld>
@@ -869,7 +869,7 @@
           <p:cNvPr id="5" name="页脚占位符 4">
             <a:extLst>
               <a:ext uri="{FF2B5EF4-FFF2-40B4-BE49-F238E27FC236}">
-                <a16:creationId xmlns:a16="http://schemas.microsoft.com/office/drawing/2014/main" id="{0E81B8B6-F6DE-1C6B-B194-C8F6829E260B}"/>
+                <a16:creationId xmlns:a16="http://schemas.microsoft.com/office/drawing/2014/main" id="{88A138A7-A0B9-7AF5-6E1B-E0AA9F439833}"/>
               </a:ext>
             </a:extLst>
           </p:cNvPr>
@@ -894,7 +894,7 @@
           <p:cNvPr id="6" name="灯片编号占位符 5">
             <a:extLst>
               <a:ext uri="{FF2B5EF4-FFF2-40B4-BE49-F238E27FC236}">
-                <a16:creationId xmlns:a16="http://schemas.microsoft.com/office/drawing/2014/main" id="{D0A26530-6E36-6B06-D444-D6824B21DA64}"/>
+                <a16:creationId xmlns:a16="http://schemas.microsoft.com/office/drawing/2014/main" id="{C81986A2-2A83-3384-AA96-EE1590CC3E80}"/>
               </a:ext>
             </a:extLst>
           </p:cNvPr>
@@ -910,7 +910,7 @@
           <a:bodyPr/>
           <a:lstStyle/>
           <a:p>
-            <a:fld id="{DA439185-BBBC-4B3C-A118-C62203517229}" type="slidenum">
+            <a:fld id="{0BE9D80A-DE9A-476D-9E50-F32D0291D921}" type="slidenum">
               <a:rPr lang="zh-CN" altLang="en-US" smtClean="0"/>
               <a:t>‹#›</a:t>
             </a:fld>
@@ -921,7 +921,7 @@
     </p:spTree>
     <p:extLst>
       <p:ext uri="{BB962C8B-B14F-4D97-AF65-F5344CB8AC3E}">
-        <p14:creationId xmlns:p14="http://schemas.microsoft.com/office/powerpoint/2010/main" val="2618548910"/>
+        <p14:creationId xmlns:p14="http://schemas.microsoft.com/office/powerpoint/2010/main" val="1628071190"/>
       </p:ext>
     </p:extLst>
   </p:cSld>
@@ -953,7 +953,7 @@
           <p:cNvPr id="2" name="标题 1">
             <a:extLst>
               <a:ext uri="{FF2B5EF4-FFF2-40B4-BE49-F238E27FC236}">
-                <a16:creationId xmlns:a16="http://schemas.microsoft.com/office/drawing/2014/main" id="{4C85D8AE-A719-8224-A3B1-FBDDD768FFBE}"/>
+                <a16:creationId xmlns:a16="http://schemas.microsoft.com/office/drawing/2014/main" id="{E6BFF065-8B0A-13E3-4C4C-784ED3CD720A}"/>
               </a:ext>
             </a:extLst>
           </p:cNvPr>
@@ -990,7 +990,7 @@
           <p:cNvPr id="3" name="文本占位符 2">
             <a:extLst>
               <a:ext uri="{FF2B5EF4-FFF2-40B4-BE49-F238E27FC236}">
-                <a16:creationId xmlns:a16="http://schemas.microsoft.com/office/drawing/2014/main" id="{D468E135-475D-07D9-E87A-45AEB29D9688}"/>
+                <a16:creationId xmlns:a16="http://schemas.microsoft.com/office/drawing/2014/main" id="{BDE5153C-8136-F133-FF0F-DE63B1470BC1}"/>
               </a:ext>
             </a:extLst>
           </p:cNvPr>
@@ -1115,7 +1115,7 @@
           <p:cNvPr id="4" name="日期占位符 3">
             <a:extLst>
               <a:ext uri="{FF2B5EF4-FFF2-40B4-BE49-F238E27FC236}">
-                <a16:creationId xmlns:a16="http://schemas.microsoft.com/office/drawing/2014/main" id="{3C19AD04-0209-4A3B-4CF8-40986AADF156}"/>
+                <a16:creationId xmlns:a16="http://schemas.microsoft.com/office/drawing/2014/main" id="{F3550500-9F6F-0FA9-0EC0-2794521E834A}"/>
               </a:ext>
             </a:extLst>
           </p:cNvPr>
@@ -1131,7 +1131,7 @@
           <a:bodyPr/>
           <a:lstStyle/>
           <a:p>
-            <a:fld id="{83895675-D3E0-40E6-B811-B9A6199C2EDE}" type="datetimeFigureOut">
+            <a:fld id="{94AA25FF-9E53-4CD0-834A-1F857DBF9A2B}" type="datetimeFigureOut">
               <a:rPr lang="zh-CN" altLang="en-US" smtClean="0"/>
               <a:t>2024/3/10</a:t>
             </a:fld>
@@ -1144,7 +1144,7 @@
           <p:cNvPr id="5" name="页脚占位符 4">
             <a:extLst>
               <a:ext uri="{FF2B5EF4-FFF2-40B4-BE49-F238E27FC236}">
-                <a16:creationId xmlns:a16="http://schemas.microsoft.com/office/drawing/2014/main" id="{A04FC8B0-407C-41D1-6135-87A7859E98A9}"/>
+                <a16:creationId xmlns:a16="http://schemas.microsoft.com/office/drawing/2014/main" id="{F6F76DD3-5423-F9A2-3349-4453D44FBEEC}"/>
               </a:ext>
             </a:extLst>
           </p:cNvPr>
@@ -1169,7 +1169,7 @@
           <p:cNvPr id="6" name="灯片编号占位符 5">
             <a:extLst>
               <a:ext uri="{FF2B5EF4-FFF2-40B4-BE49-F238E27FC236}">
-                <a16:creationId xmlns:a16="http://schemas.microsoft.com/office/drawing/2014/main" id="{88485736-F7F3-6D5A-9A3C-BAB971266DB2}"/>
+                <a16:creationId xmlns:a16="http://schemas.microsoft.com/office/drawing/2014/main" id="{1AA1EF57-7748-F223-14DB-6BA736EC1E88}"/>
               </a:ext>
             </a:extLst>
           </p:cNvPr>
@@ -1185,7 +1185,7 @@
           <a:bodyPr/>
           <a:lstStyle/>
           <a:p>
-            <a:fld id="{DA439185-BBBC-4B3C-A118-C62203517229}" type="slidenum">
+            <a:fld id="{0BE9D80A-DE9A-476D-9E50-F32D0291D921}" type="slidenum">
               <a:rPr lang="zh-CN" altLang="en-US" smtClean="0"/>
               <a:t>‹#›</a:t>
             </a:fld>
@@ -1196,7 +1196,7 @@
     </p:spTree>
     <p:extLst>
       <p:ext uri="{BB962C8B-B14F-4D97-AF65-F5344CB8AC3E}">
-        <p14:creationId xmlns:p14="http://schemas.microsoft.com/office/powerpoint/2010/main" val="3728867780"/>
+        <p14:creationId xmlns:p14="http://schemas.microsoft.com/office/powerpoint/2010/main" val="2280263650"/>
       </p:ext>
     </p:extLst>
   </p:cSld>
@@ -1228,7 +1228,7 @@
           <p:cNvPr id="2" name="标题 1">
             <a:extLst>
               <a:ext uri="{FF2B5EF4-FFF2-40B4-BE49-F238E27FC236}">
-                <a16:creationId xmlns:a16="http://schemas.microsoft.com/office/drawing/2014/main" id="{F8A9058E-7BD1-3E5C-A8EA-8AFA9109CE88}"/>
+                <a16:creationId xmlns:a16="http://schemas.microsoft.com/office/drawing/2014/main" id="{44B31035-77F5-CA44-298E-EDA84D134F04}"/>
               </a:ext>
             </a:extLst>
           </p:cNvPr>
@@ -1256,7 +1256,7 @@
           <p:cNvPr id="3" name="内容占位符 2">
             <a:extLst>
               <a:ext uri="{FF2B5EF4-FFF2-40B4-BE49-F238E27FC236}">
-                <a16:creationId xmlns:a16="http://schemas.microsoft.com/office/drawing/2014/main" id="{C6CE1327-B2C6-17B3-3FDA-9341E3E8E848}"/>
+                <a16:creationId xmlns:a16="http://schemas.microsoft.com/office/drawing/2014/main" id="{8CAAA3AB-4A7C-7EF1-2689-85AED70C99C9}"/>
               </a:ext>
             </a:extLst>
           </p:cNvPr>
@@ -1318,7 +1318,7 @@
           <p:cNvPr id="4" name="内容占位符 3">
             <a:extLst>
               <a:ext uri="{FF2B5EF4-FFF2-40B4-BE49-F238E27FC236}">
-                <a16:creationId xmlns:a16="http://schemas.microsoft.com/office/drawing/2014/main" id="{6F062589-3FF2-AE02-5CD4-F9AFA5D7791A}"/>
+                <a16:creationId xmlns:a16="http://schemas.microsoft.com/office/drawing/2014/main" id="{3504C418-53CA-9EA1-4CDC-83E290AA0219}"/>
               </a:ext>
             </a:extLst>
           </p:cNvPr>
@@ -1380,7 +1380,7 @@
           <p:cNvPr id="5" name="日期占位符 4">
             <a:extLst>
               <a:ext uri="{FF2B5EF4-FFF2-40B4-BE49-F238E27FC236}">
-                <a16:creationId xmlns:a16="http://schemas.microsoft.com/office/drawing/2014/main" id="{03CA943E-23B0-99A2-A383-69FE42C8835A}"/>
+                <a16:creationId xmlns:a16="http://schemas.microsoft.com/office/drawing/2014/main" id="{B01050E8-B8E3-8667-45E2-13B5D11B2CC0}"/>
               </a:ext>
             </a:extLst>
           </p:cNvPr>
@@ -1396,7 +1396,7 @@
           <a:bodyPr/>
           <a:lstStyle/>
           <a:p>
-            <a:fld id="{83895675-D3E0-40E6-B811-B9A6199C2EDE}" type="datetimeFigureOut">
+            <a:fld id="{94AA25FF-9E53-4CD0-834A-1F857DBF9A2B}" type="datetimeFigureOut">
               <a:rPr lang="zh-CN" altLang="en-US" smtClean="0"/>
               <a:t>2024/3/10</a:t>
             </a:fld>
@@ -1409,7 +1409,7 @@
           <p:cNvPr id="6" name="页脚占位符 5">
             <a:extLst>
               <a:ext uri="{FF2B5EF4-FFF2-40B4-BE49-F238E27FC236}">
-                <a16:creationId xmlns:a16="http://schemas.microsoft.com/office/drawing/2014/main" id="{3B33EBA8-36FA-3E26-15AB-52CAC0C9DF65}"/>
+                <a16:creationId xmlns:a16="http://schemas.microsoft.com/office/drawing/2014/main" id="{FDDEE490-0910-F2E3-0C96-FA31DCE7A4CD}"/>
               </a:ext>
             </a:extLst>
           </p:cNvPr>
@@ -1434,7 +1434,7 @@
           <p:cNvPr id="7" name="灯片编号占位符 6">
             <a:extLst>
               <a:ext uri="{FF2B5EF4-FFF2-40B4-BE49-F238E27FC236}">
-                <a16:creationId xmlns:a16="http://schemas.microsoft.com/office/drawing/2014/main" id="{EF064465-789B-EC71-5FD7-225078E62E38}"/>
+                <a16:creationId xmlns:a16="http://schemas.microsoft.com/office/drawing/2014/main" id="{F23A162C-54A0-E280-68D8-E43409264993}"/>
               </a:ext>
             </a:extLst>
           </p:cNvPr>
@@ -1450,7 +1450,7 @@
           <a:bodyPr/>
           <a:lstStyle/>
           <a:p>
-            <a:fld id="{DA439185-BBBC-4B3C-A118-C62203517229}" type="slidenum">
+            <a:fld id="{0BE9D80A-DE9A-476D-9E50-F32D0291D921}" type="slidenum">
               <a:rPr lang="zh-CN" altLang="en-US" smtClean="0"/>
               <a:t>‹#›</a:t>
             </a:fld>
@@ -1461,7 +1461,7 @@
     </p:spTree>
     <p:extLst>
       <p:ext uri="{BB962C8B-B14F-4D97-AF65-F5344CB8AC3E}">
-        <p14:creationId xmlns:p14="http://schemas.microsoft.com/office/powerpoint/2010/main" val="2633495517"/>
+        <p14:creationId xmlns:p14="http://schemas.microsoft.com/office/powerpoint/2010/main" val="1518826892"/>
       </p:ext>
     </p:extLst>
   </p:cSld>
@@ -1493,7 +1493,7 @@
           <p:cNvPr id="2" name="标题 1">
             <a:extLst>
               <a:ext uri="{FF2B5EF4-FFF2-40B4-BE49-F238E27FC236}">
-                <a16:creationId xmlns:a16="http://schemas.microsoft.com/office/drawing/2014/main" id="{B6EE3AF3-CD15-CE4F-5B33-A961BC31F7EB}"/>
+                <a16:creationId xmlns:a16="http://schemas.microsoft.com/office/drawing/2014/main" id="{749214F1-6E5A-3D5C-26C4-BDD20D040478}"/>
               </a:ext>
             </a:extLst>
           </p:cNvPr>
@@ -1526,7 +1526,7 @@
           <p:cNvPr id="3" name="文本占位符 2">
             <a:extLst>
               <a:ext uri="{FF2B5EF4-FFF2-40B4-BE49-F238E27FC236}">
-                <a16:creationId xmlns:a16="http://schemas.microsoft.com/office/drawing/2014/main" id="{94AB75A9-E623-67CB-CC07-DD09E23256DB}"/>
+                <a16:creationId xmlns:a16="http://schemas.microsoft.com/office/drawing/2014/main" id="{3A80D47D-934A-5830-1E00-797E0C0F1E76}"/>
               </a:ext>
             </a:extLst>
           </p:cNvPr>
@@ -1597,7 +1597,7 @@
           <p:cNvPr id="4" name="内容占位符 3">
             <a:extLst>
               <a:ext uri="{FF2B5EF4-FFF2-40B4-BE49-F238E27FC236}">
-                <a16:creationId xmlns:a16="http://schemas.microsoft.com/office/drawing/2014/main" id="{70B5E1BF-8E44-58DB-234A-4B941349A743}"/>
+                <a16:creationId xmlns:a16="http://schemas.microsoft.com/office/drawing/2014/main" id="{3703ED4D-E5CB-6E40-0356-690320F44864}"/>
               </a:ext>
             </a:extLst>
           </p:cNvPr>
@@ -1659,7 +1659,7 @@
           <p:cNvPr id="5" name="文本占位符 4">
             <a:extLst>
               <a:ext uri="{FF2B5EF4-FFF2-40B4-BE49-F238E27FC236}">
-                <a16:creationId xmlns:a16="http://schemas.microsoft.com/office/drawing/2014/main" id="{1FAF38F3-509E-793A-25E6-F3C6B31AA87C}"/>
+                <a16:creationId xmlns:a16="http://schemas.microsoft.com/office/drawing/2014/main" id="{6EF0AAE4-4E95-6AC0-20C9-24C99F9DA44F}"/>
               </a:ext>
             </a:extLst>
           </p:cNvPr>
@@ -1730,7 +1730,7 @@
           <p:cNvPr id="6" name="内容占位符 5">
             <a:extLst>
               <a:ext uri="{FF2B5EF4-FFF2-40B4-BE49-F238E27FC236}">
-                <a16:creationId xmlns:a16="http://schemas.microsoft.com/office/drawing/2014/main" id="{030F9694-6446-B23C-5AC4-F1F0F96E07C9}"/>
+                <a16:creationId xmlns:a16="http://schemas.microsoft.com/office/drawing/2014/main" id="{4994E6DE-DB6F-E35F-4FA7-6B656B7CA49C}"/>
               </a:ext>
             </a:extLst>
           </p:cNvPr>
@@ -1792,7 +1792,7 @@
           <p:cNvPr id="7" name="日期占位符 6">
             <a:extLst>
               <a:ext uri="{FF2B5EF4-FFF2-40B4-BE49-F238E27FC236}">
-                <a16:creationId xmlns:a16="http://schemas.microsoft.com/office/drawing/2014/main" id="{EB9D99D3-35D7-9030-7569-95D86BD79D9E}"/>
+                <a16:creationId xmlns:a16="http://schemas.microsoft.com/office/drawing/2014/main" id="{C86C9759-3E76-3254-2EF1-E85FE4E52A98}"/>
               </a:ext>
             </a:extLst>
           </p:cNvPr>
@@ -1808,7 +1808,7 @@
           <a:bodyPr/>
           <a:lstStyle/>
           <a:p>
-            <a:fld id="{83895675-D3E0-40E6-B811-B9A6199C2EDE}" type="datetimeFigureOut">
+            <a:fld id="{94AA25FF-9E53-4CD0-834A-1F857DBF9A2B}" type="datetimeFigureOut">
               <a:rPr lang="zh-CN" altLang="en-US" smtClean="0"/>
               <a:t>2024/3/10</a:t>
             </a:fld>
@@ -1821,7 +1821,7 @@
           <p:cNvPr id="8" name="页脚占位符 7">
             <a:extLst>
               <a:ext uri="{FF2B5EF4-FFF2-40B4-BE49-F238E27FC236}">
-                <a16:creationId xmlns:a16="http://schemas.microsoft.com/office/drawing/2014/main" id="{A3DA9EDD-F502-B5B4-647F-DCC5BAFD4554}"/>
+                <a16:creationId xmlns:a16="http://schemas.microsoft.com/office/drawing/2014/main" id="{4D7A769F-336D-9EC9-67DB-536EF17E634B}"/>
               </a:ext>
             </a:extLst>
           </p:cNvPr>
@@ -1846,7 +1846,7 @@
           <p:cNvPr id="9" name="灯片编号占位符 8">
             <a:extLst>
               <a:ext uri="{FF2B5EF4-FFF2-40B4-BE49-F238E27FC236}">
-                <a16:creationId xmlns:a16="http://schemas.microsoft.com/office/drawing/2014/main" id="{415E74C8-97A9-E823-A0DE-8F99A8E839F5}"/>
+                <a16:creationId xmlns:a16="http://schemas.microsoft.com/office/drawing/2014/main" id="{85AAA014-5921-E1D2-F5FB-28753F347EDB}"/>
               </a:ext>
             </a:extLst>
           </p:cNvPr>
@@ -1862,7 +1862,7 @@
           <a:bodyPr/>
           <a:lstStyle/>
           <a:p>
-            <a:fld id="{DA439185-BBBC-4B3C-A118-C62203517229}" type="slidenum">
+            <a:fld id="{0BE9D80A-DE9A-476D-9E50-F32D0291D921}" type="slidenum">
               <a:rPr lang="zh-CN" altLang="en-US" smtClean="0"/>
               <a:t>‹#›</a:t>
             </a:fld>
@@ -1873,7 +1873,7 @@
     </p:spTree>
     <p:extLst>
       <p:ext uri="{BB962C8B-B14F-4D97-AF65-F5344CB8AC3E}">
-        <p14:creationId xmlns:p14="http://schemas.microsoft.com/office/powerpoint/2010/main" val="3090307026"/>
+        <p14:creationId xmlns:p14="http://schemas.microsoft.com/office/powerpoint/2010/main" val="3078194143"/>
       </p:ext>
     </p:extLst>
   </p:cSld>
@@ -1905,7 +1905,7 @@
           <p:cNvPr id="2" name="标题 1">
             <a:extLst>
               <a:ext uri="{FF2B5EF4-FFF2-40B4-BE49-F238E27FC236}">
-                <a16:creationId xmlns:a16="http://schemas.microsoft.com/office/drawing/2014/main" id="{03B32DA5-6659-82ED-1BDF-8FA84639B645}"/>
+                <a16:creationId xmlns:a16="http://schemas.microsoft.com/office/drawing/2014/main" id="{EFAF579B-AA40-6A49-CD25-40A46E478C40}"/>
               </a:ext>
             </a:extLst>
           </p:cNvPr>
@@ -1933,7 +1933,7 @@
           <p:cNvPr id="3" name="日期占位符 2">
             <a:extLst>
               <a:ext uri="{FF2B5EF4-FFF2-40B4-BE49-F238E27FC236}">
-                <a16:creationId xmlns:a16="http://schemas.microsoft.com/office/drawing/2014/main" id="{096FEDE3-262B-85D8-98FC-981DCBDFBB06}"/>
+                <a16:creationId xmlns:a16="http://schemas.microsoft.com/office/drawing/2014/main" id="{932FC20B-09A6-7BCC-D5F0-C980B47BE76B}"/>
               </a:ext>
             </a:extLst>
           </p:cNvPr>
@@ -1949,7 +1949,7 @@
           <a:bodyPr/>
           <a:lstStyle/>
           <a:p>
-            <a:fld id="{83895675-D3E0-40E6-B811-B9A6199C2EDE}" type="datetimeFigureOut">
+            <a:fld id="{94AA25FF-9E53-4CD0-834A-1F857DBF9A2B}" type="datetimeFigureOut">
               <a:rPr lang="zh-CN" altLang="en-US" smtClean="0"/>
               <a:t>2024/3/10</a:t>
             </a:fld>
@@ -1962,7 +1962,7 @@
           <p:cNvPr id="4" name="页脚占位符 3">
             <a:extLst>
               <a:ext uri="{FF2B5EF4-FFF2-40B4-BE49-F238E27FC236}">
-                <a16:creationId xmlns:a16="http://schemas.microsoft.com/office/drawing/2014/main" id="{0F51EAF1-A938-128D-BC9B-6343BF984A7D}"/>
+                <a16:creationId xmlns:a16="http://schemas.microsoft.com/office/drawing/2014/main" id="{958E3413-866C-4A05-5AD2-6C6AB5D43098}"/>
               </a:ext>
             </a:extLst>
           </p:cNvPr>
@@ -1987,7 +1987,7 @@
           <p:cNvPr id="5" name="灯片编号占位符 4">
             <a:extLst>
               <a:ext uri="{FF2B5EF4-FFF2-40B4-BE49-F238E27FC236}">
-                <a16:creationId xmlns:a16="http://schemas.microsoft.com/office/drawing/2014/main" id="{F6473DD9-57ED-FD78-2AEA-20FB5922B31A}"/>
+                <a16:creationId xmlns:a16="http://schemas.microsoft.com/office/drawing/2014/main" id="{B06DCB43-817B-4305-4E85-33F401938331}"/>
               </a:ext>
             </a:extLst>
           </p:cNvPr>
@@ -2003,7 +2003,7 @@
           <a:bodyPr/>
           <a:lstStyle/>
           <a:p>
-            <a:fld id="{DA439185-BBBC-4B3C-A118-C62203517229}" type="slidenum">
+            <a:fld id="{0BE9D80A-DE9A-476D-9E50-F32D0291D921}" type="slidenum">
               <a:rPr lang="zh-CN" altLang="en-US" smtClean="0"/>
               <a:t>‹#›</a:t>
             </a:fld>
@@ -2014,7 +2014,7 @@
     </p:spTree>
     <p:extLst>
       <p:ext uri="{BB962C8B-B14F-4D97-AF65-F5344CB8AC3E}">
-        <p14:creationId xmlns:p14="http://schemas.microsoft.com/office/powerpoint/2010/main" val="1264783943"/>
+        <p14:creationId xmlns:p14="http://schemas.microsoft.com/office/powerpoint/2010/main" val="4028117024"/>
       </p:ext>
     </p:extLst>
   </p:cSld>
@@ -2046,7 +2046,7 @@
           <p:cNvPr id="2" name="日期占位符 1">
             <a:extLst>
               <a:ext uri="{FF2B5EF4-FFF2-40B4-BE49-F238E27FC236}">
-                <a16:creationId xmlns:a16="http://schemas.microsoft.com/office/drawing/2014/main" id="{E6B484DA-F574-AB49-EA39-0D3467C48A34}"/>
+                <a16:creationId xmlns:a16="http://schemas.microsoft.com/office/drawing/2014/main" id="{38EAD7F1-9C0A-0311-6C32-182D19726318}"/>
               </a:ext>
             </a:extLst>
           </p:cNvPr>
@@ -2062,7 +2062,7 @@
           <a:bodyPr/>
           <a:lstStyle/>
           <a:p>
-            <a:fld id="{83895675-D3E0-40E6-B811-B9A6199C2EDE}" type="datetimeFigureOut">
+            <a:fld id="{94AA25FF-9E53-4CD0-834A-1F857DBF9A2B}" type="datetimeFigureOut">
               <a:rPr lang="zh-CN" altLang="en-US" smtClean="0"/>
               <a:t>2024/3/10</a:t>
             </a:fld>
@@ -2075,7 +2075,7 @@
           <p:cNvPr id="3" name="页脚占位符 2">
             <a:extLst>
               <a:ext uri="{FF2B5EF4-FFF2-40B4-BE49-F238E27FC236}">
-                <a16:creationId xmlns:a16="http://schemas.microsoft.com/office/drawing/2014/main" id="{2F19DF7C-4109-C88C-392A-A241BDE01B86}"/>
+                <a16:creationId xmlns:a16="http://schemas.microsoft.com/office/drawing/2014/main" id="{BFA00820-ED78-C9FF-315E-E77E07BD5510}"/>
               </a:ext>
             </a:extLst>
           </p:cNvPr>
@@ -2100,7 +2100,7 @@
           <p:cNvPr id="4" name="灯片编号占位符 3">
             <a:extLst>
               <a:ext uri="{FF2B5EF4-FFF2-40B4-BE49-F238E27FC236}">
-                <a16:creationId xmlns:a16="http://schemas.microsoft.com/office/drawing/2014/main" id="{DB4F0738-1ABD-7D1E-6E99-F1B6BB6AC13C}"/>
+                <a16:creationId xmlns:a16="http://schemas.microsoft.com/office/drawing/2014/main" id="{9139DFE5-1A63-C2CD-C1F6-DECAA2BA14CF}"/>
               </a:ext>
             </a:extLst>
           </p:cNvPr>
@@ -2116,7 +2116,7 @@
           <a:bodyPr/>
           <a:lstStyle/>
           <a:p>
-            <a:fld id="{DA439185-BBBC-4B3C-A118-C62203517229}" type="slidenum">
+            <a:fld id="{0BE9D80A-DE9A-476D-9E50-F32D0291D921}" type="slidenum">
               <a:rPr lang="zh-CN" altLang="en-US" smtClean="0"/>
               <a:t>‹#›</a:t>
             </a:fld>
@@ -2127,7 +2127,7 @@
     </p:spTree>
     <p:extLst>
       <p:ext uri="{BB962C8B-B14F-4D97-AF65-F5344CB8AC3E}">
-        <p14:creationId xmlns:p14="http://schemas.microsoft.com/office/powerpoint/2010/main" val="3264572145"/>
+        <p14:creationId xmlns:p14="http://schemas.microsoft.com/office/powerpoint/2010/main" val="1086674446"/>
       </p:ext>
     </p:extLst>
   </p:cSld>
@@ -2159,7 +2159,7 @@
           <p:cNvPr id="2" name="标题 1">
             <a:extLst>
               <a:ext uri="{FF2B5EF4-FFF2-40B4-BE49-F238E27FC236}">
-                <a16:creationId xmlns:a16="http://schemas.microsoft.com/office/drawing/2014/main" id="{5122F881-C488-9C3A-B82A-9996A556BEAF}"/>
+                <a16:creationId xmlns:a16="http://schemas.microsoft.com/office/drawing/2014/main" id="{953FD6BA-5AAE-C6D4-4AE1-66E76E6A36E2}"/>
               </a:ext>
             </a:extLst>
           </p:cNvPr>
@@ -2196,7 +2196,7 @@
           <p:cNvPr id="3" name="内容占位符 2">
             <a:extLst>
               <a:ext uri="{FF2B5EF4-FFF2-40B4-BE49-F238E27FC236}">
-                <a16:creationId xmlns:a16="http://schemas.microsoft.com/office/drawing/2014/main" id="{DD5FCC38-F10C-2CDE-3DBA-251E92ED3EE2}"/>
+                <a16:creationId xmlns:a16="http://schemas.microsoft.com/office/drawing/2014/main" id="{C116F78C-597B-D0C4-7725-185107F4B184}"/>
               </a:ext>
             </a:extLst>
           </p:cNvPr>
@@ -2286,7 +2286,7 @@
           <p:cNvPr id="4" name="文本占位符 3">
             <a:extLst>
               <a:ext uri="{FF2B5EF4-FFF2-40B4-BE49-F238E27FC236}">
-                <a16:creationId xmlns:a16="http://schemas.microsoft.com/office/drawing/2014/main" id="{C5119DB9-4771-0524-6D67-2AF1769E57B0}"/>
+                <a16:creationId xmlns:a16="http://schemas.microsoft.com/office/drawing/2014/main" id="{B897B6EE-5859-9366-6CE9-B6ACC39EF260}"/>
               </a:ext>
             </a:extLst>
           </p:cNvPr>
@@ -2357,7 +2357,7 @@
           <p:cNvPr id="5" name="日期占位符 4">
             <a:extLst>
               <a:ext uri="{FF2B5EF4-FFF2-40B4-BE49-F238E27FC236}">
-                <a16:creationId xmlns:a16="http://schemas.microsoft.com/office/drawing/2014/main" id="{FBBBD92C-DE38-FE75-5D6F-C6237E80C4A8}"/>
+                <a16:creationId xmlns:a16="http://schemas.microsoft.com/office/drawing/2014/main" id="{BD18C0B5-A83B-6A26-6E75-727DDEAD3430}"/>
               </a:ext>
             </a:extLst>
           </p:cNvPr>
@@ -2373,7 +2373,7 @@
           <a:bodyPr/>
           <a:lstStyle/>
           <a:p>
-            <a:fld id="{83895675-D3E0-40E6-B811-B9A6199C2EDE}" type="datetimeFigureOut">
+            <a:fld id="{94AA25FF-9E53-4CD0-834A-1F857DBF9A2B}" type="datetimeFigureOut">
               <a:rPr lang="zh-CN" altLang="en-US" smtClean="0"/>
               <a:t>2024/3/10</a:t>
             </a:fld>
@@ -2386,7 +2386,7 @@
           <p:cNvPr id="6" name="页脚占位符 5">
             <a:extLst>
               <a:ext uri="{FF2B5EF4-FFF2-40B4-BE49-F238E27FC236}">
-                <a16:creationId xmlns:a16="http://schemas.microsoft.com/office/drawing/2014/main" id="{E1061F0F-B5EE-38A2-1E72-47577551A1AB}"/>
+                <a16:creationId xmlns:a16="http://schemas.microsoft.com/office/drawing/2014/main" id="{B944D593-A6B9-BE67-5D2D-E0AE083DE334}"/>
               </a:ext>
             </a:extLst>
           </p:cNvPr>
@@ -2411,7 +2411,7 @@
           <p:cNvPr id="7" name="灯片编号占位符 6">
             <a:extLst>
               <a:ext uri="{FF2B5EF4-FFF2-40B4-BE49-F238E27FC236}">
-                <a16:creationId xmlns:a16="http://schemas.microsoft.com/office/drawing/2014/main" id="{90C1720E-58E5-574A-4813-DE1AE7AF9930}"/>
+                <a16:creationId xmlns:a16="http://schemas.microsoft.com/office/drawing/2014/main" id="{72626061-E168-0286-AB96-8C00D8385871}"/>
               </a:ext>
             </a:extLst>
           </p:cNvPr>
@@ -2427,7 +2427,7 @@
           <a:bodyPr/>
           <a:lstStyle/>
           <a:p>
-            <a:fld id="{DA439185-BBBC-4B3C-A118-C62203517229}" type="slidenum">
+            <a:fld id="{0BE9D80A-DE9A-476D-9E50-F32D0291D921}" type="slidenum">
               <a:rPr lang="zh-CN" altLang="en-US" smtClean="0"/>
               <a:t>‹#›</a:t>
             </a:fld>
@@ -2438,7 +2438,7 @@
     </p:spTree>
     <p:extLst>
       <p:ext uri="{BB962C8B-B14F-4D97-AF65-F5344CB8AC3E}">
-        <p14:creationId xmlns:p14="http://schemas.microsoft.com/office/powerpoint/2010/main" val="1062118614"/>
+        <p14:creationId xmlns:p14="http://schemas.microsoft.com/office/powerpoint/2010/main" val="4205210931"/>
       </p:ext>
     </p:extLst>
   </p:cSld>
@@ -2470,7 +2470,7 @@
           <p:cNvPr id="2" name="标题 1">
             <a:extLst>
               <a:ext uri="{FF2B5EF4-FFF2-40B4-BE49-F238E27FC236}">
-                <a16:creationId xmlns:a16="http://schemas.microsoft.com/office/drawing/2014/main" id="{9CA9CD0C-478F-F695-01C3-2DEE01100977}"/>
+                <a16:creationId xmlns:a16="http://schemas.microsoft.com/office/drawing/2014/main" id="{503EE70D-60B6-0B1F-4397-98E2A10F1D39}"/>
               </a:ext>
             </a:extLst>
           </p:cNvPr>
@@ -2507,7 +2507,7 @@
           <p:cNvPr id="3" name="图片占位符 2">
             <a:extLst>
               <a:ext uri="{FF2B5EF4-FFF2-40B4-BE49-F238E27FC236}">
-                <a16:creationId xmlns:a16="http://schemas.microsoft.com/office/drawing/2014/main" id="{3726CC10-6B3C-F048-B924-44402C534165}"/>
+                <a16:creationId xmlns:a16="http://schemas.microsoft.com/office/drawing/2014/main" id="{DBA47B08-2DE4-100B-424D-2FCC5D5A64F4}"/>
               </a:ext>
             </a:extLst>
           </p:cNvPr>
@@ -2574,7 +2574,7 @@
           <p:cNvPr id="4" name="文本占位符 3">
             <a:extLst>
               <a:ext uri="{FF2B5EF4-FFF2-40B4-BE49-F238E27FC236}">
-                <a16:creationId xmlns:a16="http://schemas.microsoft.com/office/drawing/2014/main" id="{16824C40-877C-8661-DAAF-394131E51A28}"/>
+                <a16:creationId xmlns:a16="http://schemas.microsoft.com/office/drawing/2014/main" id="{2C5188A2-B251-F7C0-C0AA-C24DAF15846F}"/>
               </a:ext>
             </a:extLst>
           </p:cNvPr>
@@ -2645,7 +2645,7 @@
           <p:cNvPr id="5" name="日期占位符 4">
             <a:extLst>
               <a:ext uri="{FF2B5EF4-FFF2-40B4-BE49-F238E27FC236}">
-                <a16:creationId xmlns:a16="http://schemas.microsoft.com/office/drawing/2014/main" id="{755028EE-D4EA-3405-8B2C-81B56C135E31}"/>
+                <a16:creationId xmlns:a16="http://schemas.microsoft.com/office/drawing/2014/main" id="{8F8E4EB3-3C10-E746-A1F4-714B37F4085D}"/>
               </a:ext>
             </a:extLst>
           </p:cNvPr>
@@ -2661,7 +2661,7 @@
           <a:bodyPr/>
           <a:lstStyle/>
           <a:p>
-            <a:fld id="{83895675-D3E0-40E6-B811-B9A6199C2EDE}" type="datetimeFigureOut">
+            <a:fld id="{94AA25FF-9E53-4CD0-834A-1F857DBF9A2B}" type="datetimeFigureOut">
               <a:rPr lang="zh-CN" altLang="en-US" smtClean="0"/>
               <a:t>2024/3/10</a:t>
             </a:fld>
@@ -2674,7 +2674,7 @@
           <p:cNvPr id="6" name="页脚占位符 5">
             <a:extLst>
               <a:ext uri="{FF2B5EF4-FFF2-40B4-BE49-F238E27FC236}">
-                <a16:creationId xmlns:a16="http://schemas.microsoft.com/office/drawing/2014/main" id="{164E1EF3-8844-7558-B9A3-4D89E075F5BF}"/>
+                <a16:creationId xmlns:a16="http://schemas.microsoft.com/office/drawing/2014/main" id="{168C5B64-E260-A3D7-7A1E-E8BDEEF84050}"/>
               </a:ext>
             </a:extLst>
           </p:cNvPr>
@@ -2699,7 +2699,7 @@
           <p:cNvPr id="7" name="灯片编号占位符 6">
             <a:extLst>
               <a:ext uri="{FF2B5EF4-FFF2-40B4-BE49-F238E27FC236}">
-                <a16:creationId xmlns:a16="http://schemas.microsoft.com/office/drawing/2014/main" id="{411E724A-6559-697F-8751-88652526CCDD}"/>
+                <a16:creationId xmlns:a16="http://schemas.microsoft.com/office/drawing/2014/main" id="{7BE002A4-A686-39F1-FA04-CD0A8F2A3D1B}"/>
               </a:ext>
             </a:extLst>
           </p:cNvPr>
@@ -2715,7 +2715,7 @@
           <a:bodyPr/>
           <a:lstStyle/>
           <a:p>
-            <a:fld id="{DA439185-BBBC-4B3C-A118-C62203517229}" type="slidenum">
+            <a:fld id="{0BE9D80A-DE9A-476D-9E50-F32D0291D921}" type="slidenum">
               <a:rPr lang="zh-CN" altLang="en-US" smtClean="0"/>
               <a:t>‹#›</a:t>
             </a:fld>
@@ -2726,7 +2726,7 @@
     </p:spTree>
     <p:extLst>
       <p:ext uri="{BB962C8B-B14F-4D97-AF65-F5344CB8AC3E}">
-        <p14:creationId xmlns:p14="http://schemas.microsoft.com/office/powerpoint/2010/main" val="1035588163"/>
+        <p14:creationId xmlns:p14="http://schemas.microsoft.com/office/powerpoint/2010/main" val="1251646917"/>
       </p:ext>
     </p:extLst>
   </p:cSld>
@@ -2763,7 +2763,7 @@
           <p:cNvPr id="2" name="标题占位符 1">
             <a:extLst>
               <a:ext uri="{FF2B5EF4-FFF2-40B4-BE49-F238E27FC236}">
-                <a16:creationId xmlns:a16="http://schemas.microsoft.com/office/drawing/2014/main" id="{13FF4E7D-A137-F4D5-D583-90470F773FDA}"/>
+                <a16:creationId xmlns:a16="http://schemas.microsoft.com/office/drawing/2014/main" id="{5E9569E6-20D1-5ED3-AB16-555537600210}"/>
               </a:ext>
             </a:extLst>
           </p:cNvPr>
@@ -2801,7 +2801,7 @@
           <p:cNvPr id="3" name="文本占位符 2">
             <a:extLst>
               <a:ext uri="{FF2B5EF4-FFF2-40B4-BE49-F238E27FC236}">
-                <a16:creationId xmlns:a16="http://schemas.microsoft.com/office/drawing/2014/main" id="{081D3C76-ACD5-E5C9-148C-B069C33764EF}"/>
+                <a16:creationId xmlns:a16="http://schemas.microsoft.com/office/drawing/2014/main" id="{5D94ED0B-CE7E-69E4-3ACC-6CAB6030133C}"/>
               </a:ext>
             </a:extLst>
           </p:cNvPr>
@@ -2868,7 +2868,7 @@
           <p:cNvPr id="4" name="日期占位符 3">
             <a:extLst>
               <a:ext uri="{FF2B5EF4-FFF2-40B4-BE49-F238E27FC236}">
-                <a16:creationId xmlns:a16="http://schemas.microsoft.com/office/drawing/2014/main" id="{E752E17A-62F8-C3D8-A8C1-7EC3311F31F8}"/>
+                <a16:creationId xmlns:a16="http://schemas.microsoft.com/office/drawing/2014/main" id="{D2147FC5-A28B-4BCC-5688-41C60322CC62}"/>
               </a:ext>
             </a:extLst>
           </p:cNvPr>
@@ -2902,7 +2902,7 @@
             </a:lvl1pPr>
           </a:lstStyle>
           <a:p>
-            <a:fld id="{83895675-D3E0-40E6-B811-B9A6199C2EDE}" type="datetimeFigureOut">
+            <a:fld id="{94AA25FF-9E53-4CD0-834A-1F857DBF9A2B}" type="datetimeFigureOut">
               <a:rPr lang="zh-CN" altLang="en-US" smtClean="0"/>
               <a:t>2024/3/10</a:t>
             </a:fld>
@@ -2915,7 +2915,7 @@
           <p:cNvPr id="5" name="页脚占位符 4">
             <a:extLst>
               <a:ext uri="{FF2B5EF4-FFF2-40B4-BE49-F238E27FC236}">
-                <a16:creationId xmlns:a16="http://schemas.microsoft.com/office/drawing/2014/main" id="{757D90C9-051F-5D57-EDB0-16648007E984}"/>
+                <a16:creationId xmlns:a16="http://schemas.microsoft.com/office/drawing/2014/main" id="{169BC252-2D56-B2C6-2A4A-2CC4AD098BB2}"/>
               </a:ext>
             </a:extLst>
           </p:cNvPr>
@@ -2958,7 +2958,7 @@
           <p:cNvPr id="6" name="灯片编号占位符 5">
             <a:extLst>
               <a:ext uri="{FF2B5EF4-FFF2-40B4-BE49-F238E27FC236}">
-                <a16:creationId xmlns:a16="http://schemas.microsoft.com/office/drawing/2014/main" id="{EDE52F23-0893-07B0-4217-2D800809035E}"/>
+                <a16:creationId xmlns:a16="http://schemas.microsoft.com/office/drawing/2014/main" id="{C1C729E3-AEA9-0D00-2266-92A58E4426F5}"/>
               </a:ext>
             </a:extLst>
           </p:cNvPr>
@@ -2992,7 +2992,7 @@
             </a:lvl1pPr>
           </a:lstStyle>
           <a:p>
-            <a:fld id="{DA439185-BBBC-4B3C-A118-C62203517229}" type="slidenum">
+            <a:fld id="{0BE9D80A-DE9A-476D-9E50-F32D0291D921}" type="slidenum">
               <a:rPr lang="zh-CN" altLang="en-US" smtClean="0"/>
               <a:t>‹#›</a:t>
             </a:fld>
@@ -3003,7 +3003,7 @@
     </p:spTree>
     <p:extLst>
       <p:ext uri="{BB962C8B-B14F-4D97-AF65-F5344CB8AC3E}">
-        <p14:creationId xmlns:p14="http://schemas.microsoft.com/office/powerpoint/2010/main" val="1736973067"/>
+        <p14:creationId xmlns:p14="http://schemas.microsoft.com/office/powerpoint/2010/main" val="520723793"/>
       </p:ext>
     </p:extLst>
   </p:cSld>
